--- a/Cenz_WongTszHo_Resume_20230422.pptx
+++ b/Cenz_WongTszHo_Resume_20230422.pptx
@@ -241,7 +241,7 @@
           <a:p>
             <a:fld id="{EDAFC54F-062A-4014-97B4-3A8D6B6DC9DF}" type="datetimeFigureOut">
               <a:rPr lang="zh-HK" altLang="en-US" smtClean="0"/>
-              <a:t>21/4/2023</a:t>
+              <a:t>22/4/2023</a:t>
             </a:fld>
             <a:endParaRPr lang="zh-HK" altLang="en-US"/>
           </a:p>
@@ -1060,7 +1060,7 @@
           <a:p>
             <a:fld id="{4F2EF80C-4A69-4375-91DA-91AFBFB431F6}" type="datetime5">
               <a:rPr lang="en-US" altLang="zh-HK" smtClean="0"/>
-              <a:t>21-Apr-23</a:t>
+              <a:t>22-Apr-23</a:t>
             </a:fld>
             <a:endParaRPr lang="en-US"/>
           </a:p>
@@ -1233,7 +1233,7 @@
           <a:p>
             <a:fld id="{D29446FD-8863-484D-A2B5-D34D857C81B2}" type="datetime5">
               <a:rPr lang="en-US" altLang="zh-HK" smtClean="0"/>
-              <a:t>21-Apr-23</a:t>
+              <a:t>22-Apr-23</a:t>
             </a:fld>
             <a:endParaRPr lang="en-US"/>
           </a:p>
@@ -1416,7 +1416,7 @@
           <a:p>
             <a:fld id="{1BFB1EAF-D050-4040-A90C-E7F2E3A03A89}" type="datetime5">
               <a:rPr lang="en-US" altLang="zh-HK" smtClean="0"/>
-              <a:t>21-Apr-23</a:t>
+              <a:t>22-Apr-23</a:t>
             </a:fld>
             <a:endParaRPr lang="en-US"/>
           </a:p>
@@ -1589,7 +1589,7 @@
           <a:p>
             <a:fld id="{F5CB2B70-90AD-4C9E-A7E1-C816F38E9E45}" type="datetime5">
               <a:rPr lang="en-US" altLang="zh-HK" smtClean="0"/>
-              <a:t>21-Apr-23</a:t>
+              <a:t>22-Apr-23</a:t>
             </a:fld>
             <a:endParaRPr lang="en-US"/>
           </a:p>
@@ -1836,7 +1836,7 @@
           <a:p>
             <a:fld id="{58E27239-E137-48C9-8A4D-48F62EBB1EC3}" type="datetime5">
               <a:rPr lang="en-US" altLang="zh-HK" smtClean="0"/>
-              <a:t>21-Apr-23</a:t>
+              <a:t>22-Apr-23</a:t>
             </a:fld>
             <a:endParaRPr lang="en-US"/>
           </a:p>
@@ -2071,7 +2071,7 @@
           <a:p>
             <a:fld id="{E1EA59D5-A704-4D2F-8D84-F08A13285CF3}" type="datetime5">
               <a:rPr lang="en-US" altLang="zh-HK" smtClean="0"/>
-              <a:t>21-Apr-23</a:t>
+              <a:t>22-Apr-23</a:t>
             </a:fld>
             <a:endParaRPr lang="en-US"/>
           </a:p>
@@ -2441,7 +2441,7 @@
           <a:p>
             <a:fld id="{34F65592-B1FE-4069-A586-157E23885C4A}" type="datetime5">
               <a:rPr lang="en-US" altLang="zh-HK" smtClean="0"/>
-              <a:t>21-Apr-23</a:t>
+              <a:t>22-Apr-23</a:t>
             </a:fld>
             <a:endParaRPr lang="en-US"/>
           </a:p>
@@ -2562,7 +2562,7 @@
           <a:p>
             <a:fld id="{E7664556-C9B6-4881-B2F9-DB78B32081F0}" type="datetime5">
               <a:rPr lang="en-US" altLang="zh-HK" smtClean="0"/>
-              <a:t>21-Apr-23</a:t>
+              <a:t>22-Apr-23</a:t>
             </a:fld>
             <a:endParaRPr lang="en-US"/>
           </a:p>
@@ -2665,7 +2665,7 @@
           <a:p>
             <a:fld id="{623DA176-3F6D-4B58-BCED-726ADB002376}" type="datetime5">
               <a:rPr lang="en-US" altLang="zh-HK" smtClean="0"/>
-              <a:t>21-Apr-23</a:t>
+              <a:t>22-Apr-23</a:t>
             </a:fld>
             <a:endParaRPr lang="en-US" dirty="0"/>
           </a:p>
@@ -3001,7 +3001,7 @@
           <a:p>
             <a:fld id="{22F04E92-66F5-49E4-9F86-752887F48DC3}" type="datetime5">
               <a:rPr lang="en-US" altLang="zh-HK" smtClean="0"/>
-              <a:t>21-Apr-23</a:t>
+              <a:t>22-Apr-23</a:t>
             </a:fld>
             <a:endParaRPr lang="en-US"/>
           </a:p>
@@ -3261,7 +3261,7 @@
           <a:p>
             <a:fld id="{5E831984-56C7-43B3-B757-E804664EFE99}" type="datetime5">
               <a:rPr lang="en-US" altLang="zh-HK" smtClean="0"/>
-              <a:t>21-Apr-23</a:t>
+              <a:t>22-Apr-23</a:t>
             </a:fld>
             <a:endParaRPr lang="en-US"/>
           </a:p>
@@ -3477,7 +3477,7 @@
           <a:p>
             <a:fld id="{6FED590C-1DAE-44C7-B590-9C66AD1B9DB1}" type="datetime5">
               <a:rPr lang="en-US" altLang="zh-HK" smtClean="0"/>
-              <a:t>21-Apr-23</a:t>
+              <a:t>22-Apr-23</a:t>
             </a:fld>
             <a:endParaRPr lang="en-US"/>
           </a:p>
@@ -4336,7 +4336,7 @@
           <a:p>
             <a:fld id="{FF08D7C8-BB35-4EE8-9F72-9BF135202736}" type="datetime5">
               <a:rPr lang="en-US" altLang="zh-HK" sz="1000" smtClean="0"/>
-              <a:t>21-Apr-23</a:t>
+              <a:t>22-Apr-23</a:t>
             </a:fld>
             <a:r>
               <a:rPr lang="en-US" altLang="zh-HK" sz="1000"/>
@@ -8323,7 +8323,7 @@
           <a:p>
             <a:fld id="{FF08D7C8-BB35-4EE8-9F72-9BF135202736}" type="datetime5">
               <a:rPr lang="en-US" altLang="zh-HK" sz="1000" smtClean="0"/>
-              <a:t>21-Apr-23</a:t>
+              <a:t>22-Apr-23</a:t>
             </a:fld>
             <a:r>
               <a:rPr lang="en-US" altLang="zh-HK" sz="1000"/>
@@ -12115,7 +12115,7 @@
           <a:p>
             <a:fld id="{FF08D7C8-BB35-4EE8-9F72-9BF135202736}" type="datetime5">
               <a:rPr lang="en-US" altLang="zh-HK" sz="1000" smtClean="0"/>
-              <a:t>21-Apr-23</a:t>
+              <a:t>22-Apr-23</a:t>
             </a:fld>
             <a:r>
               <a:rPr lang="en-US" altLang="zh-HK" sz="1000"/>
@@ -15631,7 +15631,7 @@
         </p:nvSpPr>
         <p:spPr>
           <a:xfrm>
-            <a:off x="303793" y="1847518"/>
+            <a:off x="206288" y="1840727"/>
             <a:ext cx="1955371" cy="584775"/>
           </a:xfrm>
           <a:prstGeom prst="rect">
@@ -16051,7 +16051,7 @@
         </p:blipFill>
         <p:spPr>
           <a:xfrm>
-            <a:off x="323729" y="192029"/>
+            <a:off x="333139" y="185238"/>
             <a:ext cx="1701669" cy="1701669"/>
           </a:xfrm>
           <a:prstGeom prst="rect">
@@ -16087,7 +16087,7 @@
           <a:p>
             <a:fld id="{FF08D7C8-BB35-4EE8-9F72-9BF135202736}" type="datetime5">
               <a:rPr lang="en-US" altLang="zh-HK" sz="1000" smtClean="0"/>
-              <a:t>21-Apr-23</a:t>
+              <a:t>22-Apr-23</a:t>
             </a:fld>
             <a:r>
               <a:rPr lang="en-US" altLang="zh-HK" sz="1000"/>
